--- a/PLPTH813Bioinformatis/2021/labs/lab07_phylogeny.pptx
+++ b/PLPTH813Bioinformatis/2021/labs/lab07_phylogeny.pptx
@@ -227,7 +227,7 @@
           <a:p>
             <a:fld id="{08E6E0A8-E17C-C949-B17E-7A1A6494483A}" type="datetimeFigureOut">
               <a:rPr lang="en-US" smtClean="0"/>
-              <a:t>3/24/21</a:t>
+              <a:t>3/25/21</a:t>
             </a:fld>
             <a:endParaRPr lang="en-US"/>
           </a:p>
@@ -848,7 +848,7 @@
           <a:p>
             <a:fld id="{42B8B0BE-C8D7-EB48-AD68-71DB5002F24B}" type="datetimeFigureOut">
               <a:rPr lang="en-US" smtClean="0"/>
-              <a:t>3/24/21</a:t>
+              <a:t>3/25/21</a:t>
             </a:fld>
             <a:endParaRPr lang="en-US"/>
           </a:p>
@@ -1016,7 +1016,7 @@
           <a:p>
             <a:fld id="{42B8B0BE-C8D7-EB48-AD68-71DB5002F24B}" type="datetimeFigureOut">
               <a:rPr lang="en-US" smtClean="0"/>
-              <a:t>3/24/21</a:t>
+              <a:t>3/25/21</a:t>
             </a:fld>
             <a:endParaRPr lang="en-US"/>
           </a:p>
@@ -1194,7 +1194,7 @@
           <a:p>
             <a:fld id="{42B8B0BE-C8D7-EB48-AD68-71DB5002F24B}" type="datetimeFigureOut">
               <a:rPr lang="en-US" smtClean="0"/>
-              <a:t>3/24/21</a:t>
+              <a:t>3/25/21</a:t>
             </a:fld>
             <a:endParaRPr lang="en-US"/>
           </a:p>
@@ -1362,7 +1362,7 @@
           <a:p>
             <a:fld id="{42B8B0BE-C8D7-EB48-AD68-71DB5002F24B}" type="datetimeFigureOut">
               <a:rPr lang="en-US" smtClean="0"/>
-              <a:t>3/24/21</a:t>
+              <a:t>3/25/21</a:t>
             </a:fld>
             <a:endParaRPr lang="en-US"/>
           </a:p>
@@ -1607,7 +1607,7 @@
           <a:p>
             <a:fld id="{42B8B0BE-C8D7-EB48-AD68-71DB5002F24B}" type="datetimeFigureOut">
               <a:rPr lang="en-US" smtClean="0"/>
-              <a:t>3/24/21</a:t>
+              <a:t>3/25/21</a:t>
             </a:fld>
             <a:endParaRPr lang="en-US"/>
           </a:p>
@@ -1892,7 +1892,7 @@
           <a:p>
             <a:fld id="{42B8B0BE-C8D7-EB48-AD68-71DB5002F24B}" type="datetimeFigureOut">
               <a:rPr lang="en-US" smtClean="0"/>
-              <a:t>3/24/21</a:t>
+              <a:t>3/25/21</a:t>
             </a:fld>
             <a:endParaRPr lang="en-US"/>
           </a:p>
@@ -2311,7 +2311,7 @@
           <a:p>
             <a:fld id="{42B8B0BE-C8D7-EB48-AD68-71DB5002F24B}" type="datetimeFigureOut">
               <a:rPr lang="en-US" smtClean="0"/>
-              <a:t>3/24/21</a:t>
+              <a:t>3/25/21</a:t>
             </a:fld>
             <a:endParaRPr lang="en-US"/>
           </a:p>
@@ -2428,7 +2428,7 @@
           <a:p>
             <a:fld id="{42B8B0BE-C8D7-EB48-AD68-71DB5002F24B}" type="datetimeFigureOut">
               <a:rPr lang="en-US" smtClean="0"/>
-              <a:t>3/24/21</a:t>
+              <a:t>3/25/21</a:t>
             </a:fld>
             <a:endParaRPr lang="en-US"/>
           </a:p>
@@ -2523,7 +2523,7 @@
           <a:p>
             <a:fld id="{42B8B0BE-C8D7-EB48-AD68-71DB5002F24B}" type="datetimeFigureOut">
               <a:rPr lang="en-US" smtClean="0"/>
-              <a:t>3/24/21</a:t>
+              <a:t>3/25/21</a:t>
             </a:fld>
             <a:endParaRPr lang="en-US"/>
           </a:p>
@@ -2798,7 +2798,7 @@
           <a:p>
             <a:fld id="{42B8B0BE-C8D7-EB48-AD68-71DB5002F24B}" type="datetimeFigureOut">
               <a:rPr lang="en-US" smtClean="0"/>
-              <a:t>3/24/21</a:t>
+              <a:t>3/25/21</a:t>
             </a:fld>
             <a:endParaRPr lang="en-US"/>
           </a:p>
@@ -3050,7 +3050,7 @@
           <a:p>
             <a:fld id="{42B8B0BE-C8D7-EB48-AD68-71DB5002F24B}" type="datetimeFigureOut">
               <a:rPr lang="en-US" smtClean="0"/>
-              <a:t>3/24/21</a:t>
+              <a:t>3/25/21</a:t>
             </a:fld>
             <a:endParaRPr lang="en-US"/>
           </a:p>
@@ -3261,7 +3261,7 @@
           <a:p>
             <a:fld id="{42B8B0BE-C8D7-EB48-AD68-71DB5002F24B}" type="datetimeFigureOut">
               <a:rPr lang="en-US" smtClean="0"/>
-              <a:t>3/24/21</a:t>
+              <a:t>3/25/21</a:t>
             </a:fld>
             <a:endParaRPr lang="en-US"/>
           </a:p>
@@ -7189,7 +7189,7 @@
                 <a:latin typeface="Courier"/>
                 <a:cs typeface="Courier"/>
               </a:rPr>
-              <a:t>, file = "</a:t>
+              <a:t>, file="</a:t>
             </a:r>
             <a:r>
               <a:rPr lang="en-US" dirty="0" err="1">
